--- a/office-scripts-for-excel-masterclass.pptx
+++ b/office-scripts-for-excel-masterclass.pptx
@@ -5,7 +5,7 @@
     <p:sldMasterId id="2147483648" r:id="rId1"/>
   </p:sldMasterIdLst>
   <p:notesMasterIdLst>
-    <p:notesMasterId r:id="rId25"/>
+    <p:notesMasterId r:id="rId24"/>
   </p:notesMasterIdLst>
   <p:sldIdLst>
     <p:sldId id="256" r:id="rId2"/>
@@ -27,20 +27,19 @@
     <p:sldId id="439" r:id="rId18"/>
     <p:sldId id="429" r:id="rId19"/>
     <p:sldId id="438" r:id="rId20"/>
-    <p:sldId id="423" r:id="rId21"/>
-    <p:sldId id="442" r:id="rId22"/>
-    <p:sldId id="447" r:id="rId23"/>
-    <p:sldId id="427" r:id="rId24"/>
+    <p:sldId id="442" r:id="rId21"/>
+    <p:sldId id="447" r:id="rId22"/>
+    <p:sldId id="427" r:id="rId23"/>
   </p:sldIdLst>
   <p:sldSz cx="18288000" cy="10287000"/>
   <p:notesSz cx="6858000" cy="9144000"/>
   <p:embeddedFontLst>
     <p:embeddedFont>
       <p:font typeface="Consolas" panose="020B0609020204030204" pitchFamily="49" charset="0"/>
-      <p:regular r:id="rId26"/>
-      <p:bold r:id="rId27"/>
-      <p:italic r:id="rId28"/>
-      <p:boldItalic r:id="rId29"/>
+      <p:regular r:id="rId25"/>
+      <p:bold r:id="rId26"/>
+      <p:italic r:id="rId27"/>
+      <p:boldItalic r:id="rId28"/>
     </p:embeddedFont>
   </p:embeddedFontLst>
   <p:defaultTextStyle>
@@ -257,7 +256,7 @@
           <a:p>
             <a:fld id="{17A98A70-FA8C-4354-959C-C70678AC9BCF}" type="datetimeFigureOut">
               <a:rPr lang="en-US" smtClean="0"/>
-              <a:t>10/18/2024</a:t>
+              <a:t>10/20/2024</a:t>
             </a:fld>
             <a:endParaRPr lang="en-US"/>
           </a:p>
@@ -1432,138 +1431,6 @@
         <p:cNvPr id="1" name="">
           <a:extLst>
             <a:ext uri="{FF2B5EF4-FFF2-40B4-BE49-F238E27FC236}">
-              <a16:creationId xmlns:a16="http://schemas.microsoft.com/office/drawing/2014/main" id="{0661BC68-0174-F8C0-C50A-CBF6F62B28EC}"/>
-            </a:ext>
-          </a:extLst>
-        </p:cNvPr>
-        <p:cNvGrpSpPr/>
-        <p:nvPr/>
-      </p:nvGrpSpPr>
-      <p:grpSpPr>
-        <a:xfrm>
-          <a:off x="0" y="0"/>
-          <a:ext cx="0" cy="0"/>
-          <a:chOff x="0" y="0"/>
-          <a:chExt cx="0" cy="0"/>
-        </a:xfrm>
-      </p:grpSpPr>
-      <p:sp>
-        <p:nvSpPr>
-          <p:cNvPr id="2" name="Slide Image Placeholder 1">
-            <a:extLst>
-              <a:ext uri="{FF2B5EF4-FFF2-40B4-BE49-F238E27FC236}">
-                <a16:creationId xmlns:a16="http://schemas.microsoft.com/office/drawing/2014/main" id="{146C854B-CF29-7BDD-94FD-114500FBA305}"/>
-              </a:ext>
-            </a:extLst>
-          </p:cNvPr>
-          <p:cNvSpPr>
-            <a:spLocks noGrp="1" noRot="1" noChangeAspect="1"/>
-          </p:cNvSpPr>
-          <p:nvPr>
-            <p:ph type="sldImg"/>
-          </p:nvPr>
-        </p:nvSpPr>
-        <p:spPr/>
-      </p:sp>
-      <p:sp>
-        <p:nvSpPr>
-          <p:cNvPr id="3" name="Notes Placeholder 2">
-            <a:extLst>
-              <a:ext uri="{FF2B5EF4-FFF2-40B4-BE49-F238E27FC236}">
-                <a16:creationId xmlns:a16="http://schemas.microsoft.com/office/drawing/2014/main" id="{2104F923-8149-669B-8A7E-EE096ABBBE6A}"/>
-              </a:ext>
-            </a:extLst>
-          </p:cNvPr>
-          <p:cNvSpPr>
-            <a:spLocks noGrp="1"/>
-          </p:cNvSpPr>
-          <p:nvPr>
-            <p:ph type="body" idx="1"/>
-          </p:nvPr>
-        </p:nvSpPr>
-        <p:spPr/>
-        <p:txBody>
-          <a:bodyPr/>
-          <a:lstStyle/>
-          <a:p>
-            <a:pPr marL="228600" indent="-228600">
-              <a:buAutoNum type="arabicPeriod"/>
-            </a:pPr>
-            <a:r>
-              <a:rPr lang="en-US" dirty="0"/>
-              <a:t>False!</a:t>
-            </a:r>
-          </a:p>
-          <a:p>
-            <a:pPr marL="228600" indent="-228600">
-              <a:buAutoNum type="arabicPeriod"/>
-            </a:pPr>
-            <a:r>
-              <a:rPr lang="en-US" dirty="0"/>
-              <a:t>Function, Formula, Function</a:t>
-            </a:r>
-          </a:p>
-          <a:p>
-            <a:pPr marL="228600" indent="-228600">
-              <a:buAutoNum type="arabicPeriod"/>
-            </a:pPr>
-            <a:r>
-              <a:rPr lang="en-US" dirty="0"/>
-              <a:t>Argument</a:t>
-            </a:r>
-          </a:p>
-        </p:txBody>
-      </p:sp>
-      <p:sp>
-        <p:nvSpPr>
-          <p:cNvPr id="4" name="Slide Number Placeholder 3">
-            <a:extLst>
-              <a:ext uri="{FF2B5EF4-FFF2-40B4-BE49-F238E27FC236}">
-                <a16:creationId xmlns:a16="http://schemas.microsoft.com/office/drawing/2014/main" id="{B3DA4164-01C7-E08C-3915-665021C9829F}"/>
-              </a:ext>
-            </a:extLst>
-          </p:cNvPr>
-          <p:cNvSpPr>
-            <a:spLocks noGrp="1"/>
-          </p:cNvSpPr>
-          <p:nvPr>
-            <p:ph type="sldNum" sz="quarter" idx="5"/>
-          </p:nvPr>
-        </p:nvSpPr>
-        <p:spPr/>
-        <p:txBody>
-          <a:bodyPr/>
-          <a:lstStyle/>
-          <a:p>
-            <a:fld id="{1300335D-9F13-4B80-ADC5-B0EA3E10FF6B}" type="slidenum">
-              <a:rPr lang="en-US" smtClean="0"/>
-              <a:t>20</a:t>
-            </a:fld>
-            <a:endParaRPr lang="en-US"/>
-          </a:p>
-        </p:txBody>
-      </p:sp>
-    </p:spTree>
-    <p:extLst>
-      <p:ext uri="{BB962C8B-B14F-4D97-AF65-F5344CB8AC3E}">
-        <p14:creationId xmlns:p14="http://schemas.microsoft.com/office/powerpoint/2010/main" val="3922983878"/>
-      </p:ext>
-    </p:extLst>
-  </p:cSld>
-  <p:clrMapOvr>
-    <a:masterClrMapping/>
-  </p:clrMapOvr>
-</p:notes>
-</file>
-
-<file path=ppt/notesSlides/notesSlide9.xml><?xml version="1.0" encoding="utf-8"?>
-<p:notes xmlns:a="http://schemas.openxmlformats.org/drawingml/2006/main" xmlns:r="http://schemas.openxmlformats.org/officeDocument/2006/relationships" xmlns:p="http://schemas.openxmlformats.org/presentationml/2006/main">
-  <p:cSld>
-    <p:spTree>
-      <p:nvGrpSpPr>
-        <p:cNvPr id="1" name="">
-          <a:extLst>
-            <a:ext uri="{FF2B5EF4-FFF2-40B4-BE49-F238E27FC236}">
               <a16:creationId xmlns:a16="http://schemas.microsoft.com/office/drawing/2014/main" id="{7B817362-051E-8052-9840-7547E45113DA}"/>
             </a:ext>
           </a:extLst>
@@ -1669,7 +1536,7 @@
           <a:p>
             <a:fld id="{1300335D-9F13-4B80-ADC5-B0EA3E10FF6B}" type="slidenum">
               <a:rPr lang="en-US" smtClean="0"/>
-              <a:t>21</a:t>
+              <a:t>20</a:t>
             </a:fld>
             <a:endParaRPr lang="en-US"/>
           </a:p>
@@ -1868,7 +1735,7 @@
             <a:fld id="{1D8BD707-D9CF-40AE-B4C6-C98DA3205C09}" type="datetimeFigureOut">
               <a:rPr lang="en-US" smtClean="0"/>
               <a:pPr/>
-              <a:t>10/18/2024</a:t>
+              <a:t>10/20/2024</a:t>
             </a:fld>
             <a:endParaRPr lang="en-US"/>
           </a:p>
@@ -2033,7 +1900,7 @@
             <a:fld id="{1D8BD707-D9CF-40AE-B4C6-C98DA3205C09}" type="datetimeFigureOut">
               <a:rPr lang="en-US" smtClean="0"/>
               <a:pPr/>
-              <a:t>10/18/2024</a:t>
+              <a:t>10/20/2024</a:t>
             </a:fld>
             <a:endParaRPr lang="en-US"/>
           </a:p>
@@ -2208,7 +2075,7 @@
             <a:fld id="{1D8BD707-D9CF-40AE-B4C6-C98DA3205C09}" type="datetimeFigureOut">
               <a:rPr lang="en-US" smtClean="0"/>
               <a:pPr/>
-              <a:t>10/18/2024</a:t>
+              <a:t>10/20/2024</a:t>
             </a:fld>
             <a:endParaRPr lang="en-US"/>
           </a:p>
@@ -2373,7 +2240,7 @@
             <a:fld id="{1D8BD707-D9CF-40AE-B4C6-C98DA3205C09}" type="datetimeFigureOut">
               <a:rPr lang="en-US" smtClean="0"/>
               <a:pPr/>
-              <a:t>10/18/2024</a:t>
+              <a:t>10/20/2024</a:t>
             </a:fld>
             <a:endParaRPr lang="en-US"/>
           </a:p>
@@ -2615,7 +2482,7 @@
             <a:fld id="{1D8BD707-D9CF-40AE-B4C6-C98DA3205C09}" type="datetimeFigureOut">
               <a:rPr lang="en-US" smtClean="0"/>
               <a:pPr/>
-              <a:t>10/18/2024</a:t>
+              <a:t>10/20/2024</a:t>
             </a:fld>
             <a:endParaRPr lang="en-US"/>
           </a:p>
@@ -2897,7 +2764,7 @@
             <a:fld id="{1D8BD707-D9CF-40AE-B4C6-C98DA3205C09}" type="datetimeFigureOut">
               <a:rPr lang="en-US" smtClean="0"/>
               <a:pPr/>
-              <a:t>10/18/2024</a:t>
+              <a:t>10/20/2024</a:t>
             </a:fld>
             <a:endParaRPr lang="en-US"/>
           </a:p>
@@ -3313,7 +3180,7 @@
             <a:fld id="{1D8BD707-D9CF-40AE-B4C6-C98DA3205C09}" type="datetimeFigureOut">
               <a:rPr lang="en-US" smtClean="0"/>
               <a:pPr/>
-              <a:t>10/18/2024</a:t>
+              <a:t>10/20/2024</a:t>
             </a:fld>
             <a:endParaRPr lang="en-US"/>
           </a:p>
@@ -3427,7 +3294,7 @@
             <a:fld id="{1D8BD707-D9CF-40AE-B4C6-C98DA3205C09}" type="datetimeFigureOut">
               <a:rPr lang="en-US" smtClean="0"/>
               <a:pPr/>
-              <a:t>10/18/2024</a:t>
+              <a:t>10/20/2024</a:t>
             </a:fld>
             <a:endParaRPr lang="en-US"/>
           </a:p>
@@ -3519,7 +3386,7 @@
             <a:fld id="{1D8BD707-D9CF-40AE-B4C6-C98DA3205C09}" type="datetimeFigureOut">
               <a:rPr lang="en-US" smtClean="0"/>
               <a:pPr/>
-              <a:t>10/18/2024</a:t>
+              <a:t>10/20/2024</a:t>
             </a:fld>
             <a:endParaRPr lang="en-US"/>
           </a:p>
@@ -3791,7 +3658,7 @@
             <a:fld id="{1D8BD707-D9CF-40AE-B4C6-C98DA3205C09}" type="datetimeFigureOut">
               <a:rPr lang="en-US" smtClean="0"/>
               <a:pPr/>
-              <a:t>10/18/2024</a:t>
+              <a:t>10/20/2024</a:t>
             </a:fld>
             <a:endParaRPr lang="en-US"/>
           </a:p>
@@ -4040,7 +3907,7 @@
             <a:fld id="{1D8BD707-D9CF-40AE-B4C6-C98DA3205C09}" type="datetimeFigureOut">
               <a:rPr lang="en-US" smtClean="0"/>
               <a:pPr/>
-              <a:t>10/18/2024</a:t>
+              <a:t>10/20/2024</a:t>
             </a:fld>
             <a:endParaRPr lang="en-US"/>
           </a:p>
@@ -4253,7 +4120,7 @@
             <a:fld id="{1D8BD707-D9CF-40AE-B4C6-C98DA3205C09}" type="datetimeFigureOut">
               <a:rPr lang="en-US" smtClean="0"/>
               <a:pPr/>
-              <a:t>10/18/2024</a:t>
+              <a:t>10/20/2024</a:t>
             </a:fld>
             <a:endParaRPr lang="en-US"/>
           </a:p>
@@ -6352,7 +6219,7 @@
         <p:spPr>
           <a:xfrm>
             <a:off x="260431" y="329879"/>
-            <a:ext cx="8906720" cy="6789616"/>
+            <a:ext cx="8906720" cy="7567777"/>
           </a:xfrm>
           <a:prstGeom prst="rect">
             <a:avLst/>
@@ -6493,6 +6360,40 @@
                 <a:sym typeface="Consolas"/>
               </a:rPr>
               <a:t>sharing-office-scripts.xlsx</a:t>
+            </a:r>
+          </a:p>
+          <a:p>
+            <a:pPr marL="142875">
+              <a:lnSpc>
+                <a:spcPct val="115000"/>
+              </a:lnSpc>
+              <a:spcBef>
+                <a:spcPts val="1125"/>
+              </a:spcBef>
+              <a:buClr>
+                <a:srgbClr val="C00000"/>
+              </a:buClr>
+              <a:buSzPts val="2100"/>
+            </a:pPr>
+            <a:r>
+              <a:rPr lang="en-US" sz="3600" dirty="0">
+                <a:solidFill>
+                  <a:srgbClr val="C00000"/>
+                </a:solidFill>
+                <a:latin typeface="Pragmatica" panose="020B0403040502020204"/>
+                <a:sym typeface="Consolas"/>
+              </a:rPr>
+              <a:t>Script: </a:t>
+            </a:r>
+            <a:r>
+              <a:rPr lang="en-US" sz="3600" dirty="0">
+                <a:solidFill>
+                  <a:srgbClr val="C00000"/>
+                </a:solidFill>
+                <a:latin typeface="Consolas" panose="020B0609020204030204" pitchFamily="49" charset="0"/>
+                <a:sym typeface="Consolas"/>
+              </a:rPr>
+              <a:t>toc-updater.txt</a:t>
             </a:r>
           </a:p>
           <a:p>
@@ -6948,7 +6849,7 @@
         <p:spPr>
           <a:xfrm>
             <a:off x="260431" y="329879"/>
-            <a:ext cx="8906720" cy="9169690"/>
+            <a:ext cx="8906720" cy="8208979"/>
           </a:xfrm>
           <a:prstGeom prst="rect">
             <a:avLst/>
@@ -6968,7 +6869,7 @@
                 </a:solidFill>
                 <a:latin typeface="Pragmatica" panose="020B0403040502020204" pitchFamily="34" charset="0"/>
               </a:rPr>
-              <a:t>Record Actions in Office Scripts</a:t>
+              <a:t>Scheduling Office Scripts with Power Automate</a:t>
             </a:r>
           </a:p>
           <a:p>
@@ -6980,7 +6881,7 @@
             </a:endParaRPr>
           </a:p>
           <a:p>
-            <a:pPr marL="685800" indent="-542925">
+            <a:pPr marL="714375" indent="-571500">
               <a:lnSpc>
                 <a:spcPct val="115000"/>
               </a:lnSpc>
@@ -6991,8 +6892,8 @@
                 <a:srgbClr val="C00000"/>
               </a:buClr>
               <a:buSzPts val="2100"/>
-              <a:buFont typeface="Arial"/>
-              <a:buAutoNum type="arabicPeriod"/>
+              <a:buFont typeface="Arial" panose="020B0604020202020204" pitchFamily="34" charset="0"/>
+              <a:buChar char="•"/>
             </a:pPr>
             <a:r>
               <a:rPr lang="en-US" sz="3600" dirty="0">
@@ -7002,11 +6903,11 @@
                 <a:latin typeface="Pragmatica" panose="020B0403040502020204"/>
                 <a:sym typeface="Consolas"/>
               </a:rPr>
-              <a:t>Creating a script with Record Actions</a:t>
-            </a:r>
-          </a:p>
-          <a:p>
-            <a:pPr marL="685800" indent="-542925">
+              <a:t>How can we run Office Scripts on a schedule?</a:t>
+            </a:r>
+          </a:p>
+          <a:p>
+            <a:pPr marL="714375" indent="-571500">
               <a:lnSpc>
                 <a:spcPct val="115000"/>
               </a:lnSpc>
@@ -7017,8 +6918,8 @@
                 <a:srgbClr val="C00000"/>
               </a:buClr>
               <a:buSzPts val="2100"/>
-              <a:buFont typeface="Arial"/>
-              <a:buAutoNum type="arabicPeriod"/>
+              <a:buFont typeface="Arial" panose="020B0604020202020204" pitchFamily="34" charset="0"/>
+              <a:buChar char="•"/>
             </a:pPr>
             <a:r>
               <a:rPr lang="en-US" sz="3600" dirty="0">
@@ -7028,7 +6929,53 @@
                 <a:latin typeface="Pragmatica" panose="020B0403040502020204"/>
                 <a:sym typeface="Consolas"/>
               </a:rPr>
-              <a:t>Advantages and disadvantages of Record Actions</a:t>
+              <a:t>File: </a:t>
+            </a:r>
+            <a:r>
+              <a:rPr lang="en-US" sz="3600" dirty="0">
+                <a:solidFill>
+                  <a:srgbClr val="C00000"/>
+                </a:solidFill>
+                <a:latin typeface="Consolas" panose="020B0609020204030204" pitchFamily="49" charset="0"/>
+                <a:sym typeface="Consolas"/>
+              </a:rPr>
+              <a:t>schedule-with-power-automate.xlsx</a:t>
+            </a:r>
+          </a:p>
+          <a:p>
+            <a:pPr marL="714375" indent="-571500">
+              <a:lnSpc>
+                <a:spcPct val="115000"/>
+              </a:lnSpc>
+              <a:spcBef>
+                <a:spcPts val="1125"/>
+              </a:spcBef>
+              <a:buClr>
+                <a:srgbClr val="C00000"/>
+              </a:buClr>
+              <a:buSzPts val="2100"/>
+              <a:buFont typeface="Arial" panose="020B0604020202020204" pitchFamily="34" charset="0"/>
+              <a:buChar char="•"/>
+            </a:pPr>
+            <a:r>
+              <a:rPr lang="en-US" sz="3600" dirty="0">
+                <a:solidFill>
+                  <a:srgbClr val="C00000"/>
+                </a:solidFill>
+                <a:latin typeface="Pragmatica" panose="020B0403040502020204"/>
+                <a:sym typeface="Consolas"/>
+              </a:rPr>
+              <a:t>Script: </a:t>
+            </a:r>
+            <a:r>
+              <a:rPr lang="en-US" sz="3600" dirty="0">
+                <a:solidFill>
+                  <a:srgbClr val="C00000"/>
+                </a:solidFill>
+                <a:latin typeface="Consolas" panose="020B0609020204030204" pitchFamily="49" charset="0"/>
+                <a:sym typeface="Consolas"/>
+              </a:rPr>
+              <a:t>toc-updater.txt</a:t>
             </a:r>
           </a:p>
           <a:p>
@@ -7052,58 +6999,7 @@
                 <a:latin typeface="Pragmatica" panose="020B0403040502020204"/>
                 <a:sym typeface="Consolas"/>
               </a:rPr>
-              <a:t>File: </a:t>
-            </a:r>
-            <a:r>
-              <a:rPr lang="en-US" sz="3600" dirty="0">
-                <a:solidFill>
-                  <a:srgbClr val="C00000"/>
-                </a:solidFill>
-                <a:latin typeface="Consolas" panose="020B0609020204030204" pitchFamily="49" charset="0"/>
-                <a:sym typeface="Consolas"/>
-              </a:rPr>
-              <a:t>record-actions.xlsx</a:t>
-            </a:r>
-          </a:p>
-          <a:p>
-            <a:pPr marL="142875">
-              <a:lnSpc>
-                <a:spcPct val="115000"/>
-              </a:lnSpc>
-              <a:spcBef>
-                <a:spcPts val="1125"/>
-              </a:spcBef>
-              <a:buClr>
-                <a:srgbClr val="C00000"/>
-              </a:buClr>
-              <a:buSzPts val="2100"/>
-            </a:pPr>
-            <a:r>
-              <a:rPr lang="en-US" sz="3600" dirty="0">
-                <a:solidFill>
-                  <a:srgbClr val="C00000"/>
-                </a:solidFill>
-                <a:latin typeface="Pragmatica" panose="020B0403040502020204"/>
-                <a:sym typeface="Consolas"/>
-              </a:rPr>
               <a:t>Resource: </a:t>
-            </a:r>
-            <a:r>
-              <a:rPr lang="en-US" sz="3600" dirty="0">
-                <a:solidFill>
-                  <a:srgbClr val="CF3338"/>
-                </a:solidFill>
-                <a:latin typeface="Pragmatica" panose="020B0403040502020204"/>
-                <a:sym typeface="Consolas"/>
-                <a:hlinkClick r:id="rId4">
-                  <a:extLst>
-                    <a:ext uri="{A12FA001-AC4F-418D-AE19-62706E023703}">
-                      <ahyp:hlinkClr xmlns:ahyp="http://schemas.microsoft.com/office/drawing/2018/hyperlinkcolor" val="tx"/>
-                    </a:ext>
-                  </a:extLst>
-                </a:hlinkClick>
-              </a:rPr>
-              <a:t>https://stringfestanalytics.com/how-to-understand-record-actions-in-office-scripts-for-excel/</a:t>
             </a:r>
             <a:r>
               <a:rPr lang="en-US" sz="3600" dirty="0">
@@ -7113,17 +7009,9 @@
                 <a:latin typeface="Pragmatica" panose="020B0403040502020204"/>
                 <a:sym typeface="Consolas"/>
               </a:rPr>
-              <a:t> </a:t>
-            </a:r>
-            <a:endParaRPr lang="en-US" sz="6000" dirty="0">
-              <a:solidFill>
-                <a:srgbClr val="CF3338"/>
-              </a:solidFill>
-              <a:latin typeface="Pragmatica" panose="020B0403040502020204"/>
-            </a:endParaRPr>
-          </a:p>
-          <a:p>
-            <a:endParaRPr lang="en-US" sz="6000" dirty="0">
+              <a:t>https://stringfestanalytics.com/how-to-get-started-with-power-automate-for-excel/</a:t>
+            </a:r>
+            <a:endParaRPr lang="en-US" sz="3600" dirty="0">
               <a:solidFill>
                 <a:srgbClr val="CF3338"/>
               </a:solidFill>
@@ -7270,7 +7158,7 @@
         <p:spPr>
           <a:xfrm>
             <a:off x="260431" y="329879"/>
-            <a:ext cx="8906720" cy="8987140"/>
+            <a:ext cx="8906720" cy="7922746"/>
           </a:xfrm>
           <a:prstGeom prst="rect">
             <a:avLst/>
@@ -7290,7 +7178,7 @@
                 </a:solidFill>
                 <a:latin typeface="Pragmatica" panose="020B0403040502020204" pitchFamily="34" charset="0"/>
               </a:rPr>
-              <a:t>function main() in Office Scripts</a:t>
+              <a:t>Scaling Office Scripts</a:t>
             </a:r>
           </a:p>
           <a:p>
@@ -7302,7 +7190,7 @@
             </a:endParaRPr>
           </a:p>
           <a:p>
-            <a:pPr marL="685800" indent="-542925">
+            <a:pPr marL="714375" indent="-571500">
               <a:lnSpc>
                 <a:spcPct val="115000"/>
               </a:lnSpc>
@@ -7313,8 +7201,8 @@
                 <a:srgbClr val="C00000"/>
               </a:buClr>
               <a:buSzPts val="2100"/>
-              <a:buFont typeface="Arial"/>
-              <a:buAutoNum type="arabicPeriod"/>
+              <a:buFont typeface="Arial" panose="020B0604020202020204" pitchFamily="34" charset="0"/>
+              <a:buChar char="•"/>
             </a:pPr>
             <a:r>
               <a:rPr lang="en-US" sz="3600" dirty="0">
@@ -7324,11 +7212,11 @@
                 <a:latin typeface="Pragmatica" panose="020B0403040502020204"/>
                 <a:sym typeface="Consolas"/>
               </a:rPr>
-              <a:t>function main() as the heart of Office Scripts</a:t>
-            </a:r>
-          </a:p>
-          <a:p>
-            <a:pPr marL="685800" indent="-542925">
+              <a:t>How can we run an Office Script on multiple workbooks at once (and on schedule)? </a:t>
+            </a:r>
+          </a:p>
+          <a:p>
+            <a:pPr marL="714375" indent="-571500">
               <a:lnSpc>
                 <a:spcPct val="115000"/>
               </a:lnSpc>
@@ -7339,8 +7227,8 @@
                 <a:srgbClr val="C00000"/>
               </a:buClr>
               <a:buSzPts val="2100"/>
-              <a:buFont typeface="Arial"/>
-              <a:buAutoNum type="arabicPeriod"/>
+              <a:buFont typeface="Arial" panose="020B0604020202020204" pitchFamily="34" charset="0"/>
+              <a:buChar char="•"/>
             </a:pPr>
             <a:r>
               <a:rPr lang="en-US" sz="3600" dirty="0">
@@ -7350,11 +7238,21 @@
                 <a:latin typeface="Pragmatica" panose="020B0403040502020204"/>
                 <a:sym typeface="Consolas"/>
               </a:rPr>
-              <a:t>‘Hello, world!’ in Office Scripts</a:t>
-            </a:r>
-          </a:p>
-          <a:p>
-            <a:pPr marL="685800" indent="-542925">
+              <a:t>Folder: </a:t>
+            </a:r>
+            <a:r>
+              <a:rPr lang="en-US" sz="3600" dirty="0">
+                <a:solidFill>
+                  <a:srgbClr val="C00000"/>
+                </a:solidFill>
+                <a:latin typeface="Consolas" panose="020B0609020204030204" pitchFamily="49" charset="0"/>
+                <a:sym typeface="Consolas"/>
+              </a:rPr>
+              <a:t>multiple-workbooks</a:t>
+            </a:r>
+          </a:p>
+          <a:p>
+            <a:pPr marL="714375" indent="-571500">
               <a:lnSpc>
                 <a:spcPct val="115000"/>
               </a:lnSpc>
@@ -7365,8 +7263,8 @@
                 <a:srgbClr val="C00000"/>
               </a:buClr>
               <a:buSzPts val="2100"/>
-              <a:buFont typeface="Arial"/>
-              <a:buAutoNum type="arabicPeriod"/>
+              <a:buFont typeface="Arial" panose="020B0604020202020204" pitchFamily="34" charset="0"/>
+              <a:buChar char="•"/>
             </a:pPr>
             <a:r>
               <a:rPr lang="en-US" sz="3600" dirty="0">
@@ -7376,7 +7274,17 @@
                 <a:latin typeface="Pragmatica" panose="020B0403040502020204"/>
                 <a:sym typeface="Consolas"/>
               </a:rPr>
-              <a:t>Customizing function main()’s parameters</a:t>
+              <a:t>Script: </a:t>
+            </a:r>
+            <a:r>
+              <a:rPr lang="en-US" sz="3600" dirty="0">
+                <a:solidFill>
+                  <a:srgbClr val="C00000"/>
+                </a:solidFill>
+                <a:latin typeface="Consolas" panose="020B0609020204030204" pitchFamily="49" charset="0"/>
+                <a:sym typeface="Consolas"/>
+              </a:rPr>
+              <a:t>toc-updater.txt</a:t>
             </a:r>
           </a:p>
           <a:p>
@@ -7400,22 +7308,8 @@
                 <a:latin typeface="Pragmatica" panose="020B0403040502020204"/>
                 <a:sym typeface="Consolas"/>
               </a:rPr>
-              <a:t>File: Open a blank workbook to proceed</a:t>
-            </a:r>
-          </a:p>
-          <a:p>
-            <a:pPr marL="142875">
-              <a:lnSpc>
-                <a:spcPct val="115000"/>
-              </a:lnSpc>
-              <a:spcBef>
-                <a:spcPts val="1125"/>
-              </a:spcBef>
-              <a:buClr>
-                <a:srgbClr val="C00000"/>
-              </a:buClr>
-              <a:buSzPts val="2100"/>
-            </a:pPr>
+              <a:t>Resource: </a:t>
+            </a:r>
             <a:r>
               <a:rPr lang="en-US" sz="3600" dirty="0">
                 <a:solidFill>
@@ -7424,35 +7318,14 @@
                 <a:latin typeface="Pragmatica" panose="020B0403040502020204"/>
                 <a:sym typeface="Consolas"/>
               </a:rPr>
-              <a:t>Resource: </a:t>
-            </a:r>
-            <a:r>
-              <a:rPr lang="en-US" sz="3600" dirty="0">
-                <a:solidFill>
-                  <a:srgbClr val="CF3338"/>
-                </a:solidFill>
-                <a:latin typeface="Pragmatica" panose="020B0403040502020204"/>
-                <a:sym typeface="Consolas"/>
-                <a:hlinkClick r:id="rId4">
-                  <a:extLst>
-                    <a:ext uri="{A12FA001-AC4F-418D-AE19-62706E023703}">
-                      <ahyp:hlinkClr xmlns:ahyp="http://schemas.microsoft.com/office/drawing/2018/hyperlinkcolor" val="tx"/>
-                    </a:ext>
-                  </a:extLst>
-                </a:hlinkClick>
-              </a:rPr>
-              <a:t>https://stringfestanalytics.com/how-to-understand-function-main-in-office-scripts-for-excel/</a:t>
-            </a:r>
-            <a:r>
-              <a:rPr lang="en-US" sz="3600" dirty="0">
-                <a:solidFill>
-                  <a:srgbClr val="CF3338"/>
-                </a:solidFill>
-                <a:latin typeface="Pragmatica" panose="020B0403040502020204"/>
-                <a:sym typeface="Consolas"/>
-              </a:rPr>
-              <a:t> </a:t>
-            </a:r>
+              <a:t>https://stringfestanalytics.com/how-to-run-an-office-script-on-all-excel-workbooks-in-a-folder-with-power-automate/</a:t>
+            </a:r>
+            <a:endParaRPr lang="en-US" sz="3600" dirty="0">
+              <a:solidFill>
+                <a:srgbClr val="CF3338"/>
+              </a:solidFill>
+              <a:latin typeface="Pragmatica" panose="020B0403040502020204" pitchFamily="34" charset="0"/>
+            </a:endParaRPr>
           </a:p>
         </p:txBody>
       </p:sp>
@@ -7811,211 +7684,6 @@
         <p:cNvPr id="1" name="">
           <a:extLst>
             <a:ext uri="{FF2B5EF4-FFF2-40B4-BE49-F238E27FC236}">
-              <a16:creationId xmlns:a16="http://schemas.microsoft.com/office/drawing/2014/main" id="{5D488E77-04E4-08C7-1031-1F498D077B51}"/>
-            </a:ext>
-          </a:extLst>
-        </p:cNvPr>
-        <p:cNvGrpSpPr/>
-        <p:nvPr/>
-      </p:nvGrpSpPr>
-      <p:grpSpPr>
-        <a:xfrm>
-          <a:off x="0" y="0"/>
-          <a:ext cx="0" cy="0"/>
-          <a:chOff x="0" y="0"/>
-          <a:chExt cx="0" cy="0"/>
-        </a:xfrm>
-      </p:grpSpPr>
-      <p:sp>
-        <p:nvSpPr>
-          <p:cNvPr id="4" name="Rectangle 3">
-            <a:extLst>
-              <a:ext uri="{FF2B5EF4-FFF2-40B4-BE49-F238E27FC236}">
-                <a16:creationId xmlns:a16="http://schemas.microsoft.com/office/drawing/2014/main" id="{E5ABA32D-D202-8170-BD82-0F9E54BD20DE}"/>
-              </a:ext>
-            </a:extLst>
-          </p:cNvPr>
-          <p:cNvSpPr/>
-          <p:nvPr/>
-        </p:nvSpPr>
-        <p:spPr>
-          <a:xfrm>
-            <a:off x="9861630" y="0"/>
-            <a:ext cx="8426370" cy="10287000"/>
-          </a:xfrm>
-          <a:prstGeom prst="rect">
-            <a:avLst/>
-          </a:prstGeom>
-          <a:solidFill>
-            <a:srgbClr val="CF3338"/>
-          </a:solidFill>
-          <a:ln>
-            <a:noFill/>
-          </a:ln>
-        </p:spPr>
-        <p:style>
-          <a:lnRef idx="2">
-            <a:schemeClr val="accent1">
-              <a:shade val="50000"/>
-            </a:schemeClr>
-          </a:lnRef>
-          <a:fillRef idx="1">
-            <a:schemeClr val="accent1"/>
-          </a:fillRef>
-          <a:effectRef idx="0">
-            <a:schemeClr val="accent1"/>
-          </a:effectRef>
-          <a:fontRef idx="minor">
-            <a:schemeClr val="lt1"/>
-          </a:fontRef>
-        </p:style>
-        <p:txBody>
-          <a:bodyPr rtlCol="0" anchor="ctr"/>
-          <a:lstStyle/>
-          <a:p>
-            <a:pPr algn="ctr"/>
-            <a:endParaRPr lang="en-US" sz="2700"/>
-          </a:p>
-        </p:txBody>
-      </p:sp>
-      <p:pic>
-        <p:nvPicPr>
-          <p:cNvPr id="2" name="Picture 1">
-            <a:extLst>
-              <a:ext uri="{FF2B5EF4-FFF2-40B4-BE49-F238E27FC236}">
-                <a16:creationId xmlns:a16="http://schemas.microsoft.com/office/drawing/2014/main" id="{EBD18E09-E000-229F-A637-05EF0B5D1162}"/>
-              </a:ext>
-            </a:extLst>
-          </p:cNvPr>
-          <p:cNvPicPr>
-            <a:picLocks noChangeAspect="1"/>
-          </p:cNvPicPr>
-          <p:nvPr/>
-        </p:nvPicPr>
-        <p:blipFill rotWithShape="1">
-          <a:blip r:embed="rId3">
-            <a:extLst>
-              <a:ext uri="{28A0092B-C50C-407E-A947-70E740481C1C}">
-                <a14:useLocalDpi xmlns:a14="http://schemas.microsoft.com/office/drawing/2010/main" val="0"/>
-              </a:ext>
-            </a:extLst>
-          </a:blip>
-          <a:srcRect l="69227" t="33418" r="20112" b="50548"/>
-          <a:stretch/>
-        </p:blipFill>
-        <p:spPr>
-          <a:xfrm>
-            <a:off x="15579524" y="7544693"/>
-            <a:ext cx="2708477" cy="2987579"/>
-          </a:xfrm>
-          <a:prstGeom prst="rect">
-            <a:avLst/>
-          </a:prstGeom>
-        </p:spPr>
-      </p:pic>
-      <p:sp>
-        <p:nvSpPr>
-          <p:cNvPr id="3" name="TextBox 2">
-            <a:extLst>
-              <a:ext uri="{FF2B5EF4-FFF2-40B4-BE49-F238E27FC236}">
-                <a16:creationId xmlns:a16="http://schemas.microsoft.com/office/drawing/2014/main" id="{8EFCBB0D-A4EB-2FCE-A90E-3128C6AA641C}"/>
-              </a:ext>
-            </a:extLst>
-          </p:cNvPr>
-          <p:cNvSpPr txBox="1"/>
-          <p:nvPr/>
-        </p:nvSpPr>
-        <p:spPr>
-          <a:xfrm>
-            <a:off x="260431" y="329879"/>
-            <a:ext cx="8906720" cy="5200911"/>
-          </a:xfrm>
-          <a:prstGeom prst="rect">
-            <a:avLst/>
-          </a:prstGeom>
-          <a:noFill/>
-        </p:spPr>
-        <p:txBody>
-          <a:bodyPr wrap="square" rtlCol="0">
-            <a:spAutoFit/>
-          </a:bodyPr>
-          <a:lstStyle/>
-          <a:p>
-            <a:r>
-              <a:rPr lang="en-US" sz="6000" b="1" dirty="0">
-                <a:solidFill>
-                  <a:srgbClr val="CF3338"/>
-                </a:solidFill>
-                <a:latin typeface="Pragmatica" panose="020B0403040502020204" pitchFamily="34" charset="0"/>
-              </a:rPr>
-              <a:t>Resource: stringfestanalytics.com</a:t>
-            </a:r>
-          </a:p>
-          <a:p>
-            <a:endParaRPr lang="en-US" sz="6000" b="1" dirty="0">
-              <a:solidFill>
-                <a:srgbClr val="CF3338"/>
-              </a:solidFill>
-              <a:latin typeface="Pragmatica" panose="020B0403040502020204" pitchFamily="34" charset="0"/>
-            </a:endParaRPr>
-          </a:p>
-          <a:p>
-            <a:pPr marL="714375" indent="-571500">
-              <a:lnSpc>
-                <a:spcPct val="115000"/>
-              </a:lnSpc>
-              <a:spcBef>
-                <a:spcPts val="1125"/>
-              </a:spcBef>
-              <a:buClr>
-                <a:srgbClr val="C00000"/>
-              </a:buClr>
-              <a:buSzPts val="2100"/>
-              <a:buFont typeface="Arial" panose="020B0604020202020204" pitchFamily="34" charset="0"/>
-              <a:buChar char="•"/>
-            </a:pPr>
-            <a:r>
-              <a:rPr lang="en-US" sz="3600" dirty="0">
-                <a:solidFill>
-                  <a:srgbClr val="C00000"/>
-                </a:solidFill>
-                <a:latin typeface="Pragmatica" panose="020B0403040502020204"/>
-                <a:sym typeface="Consolas"/>
-              </a:rPr>
-              <a:t>Subscribe for updates &amp; access to my data analytics learning resource library</a:t>
-            </a:r>
-          </a:p>
-          <a:p>
-            <a:endParaRPr lang="en-US" sz="6000" dirty="0">
-              <a:solidFill>
-                <a:srgbClr val="CF3338"/>
-              </a:solidFill>
-              <a:latin typeface="Pragmatica" panose="020B0403040502020204" pitchFamily="34" charset="0"/>
-            </a:endParaRPr>
-          </a:p>
-        </p:txBody>
-      </p:sp>
-    </p:spTree>
-    <p:extLst>
-      <p:ext uri="{BB962C8B-B14F-4D97-AF65-F5344CB8AC3E}">
-        <p14:creationId xmlns:p14="http://schemas.microsoft.com/office/powerpoint/2010/main" val="1994395854"/>
-      </p:ext>
-    </p:extLst>
-  </p:cSld>
-  <p:clrMapOvr>
-    <a:masterClrMapping/>
-  </p:clrMapOvr>
-</p:sld>
-</file>
-
-<file path=ppt/slides/slide21.xml><?xml version="1.0" encoding="utf-8"?>
-<p:sld xmlns:a="http://schemas.openxmlformats.org/drawingml/2006/main" xmlns:r="http://schemas.openxmlformats.org/officeDocument/2006/relationships" xmlns:p="http://schemas.openxmlformats.org/presentationml/2006/main">
-  <p:cSld>
-    <p:spTree>
-      <p:nvGrpSpPr>
-        <p:cNvPr id="1" name="">
-          <a:extLst>
-            <a:ext uri="{FF2B5EF4-FFF2-40B4-BE49-F238E27FC236}">
               <a16:creationId xmlns:a16="http://schemas.microsoft.com/office/drawing/2014/main" id="{813E0308-A988-5B2F-745F-7798090692A9}"/>
             </a:ext>
           </a:extLst>
@@ -8133,7 +7801,7 @@
         <p:spPr>
           <a:xfrm>
             <a:off x="260430" y="329879"/>
-            <a:ext cx="12464969" cy="9255226"/>
+            <a:ext cx="12464969" cy="5365123"/>
           </a:xfrm>
           <a:prstGeom prst="rect">
             <a:avLst/>
@@ -8154,30 +7822,6 @@
                 <a:latin typeface="Pragmatica" panose="020B0403040502020204" pitchFamily="34" charset="0"/>
               </a:rPr>
               <a:t>Exercises</a:t>
-            </a:r>
-          </a:p>
-          <a:p>
-            <a:pPr marL="142875">
-              <a:lnSpc>
-                <a:spcPct val="115000"/>
-              </a:lnSpc>
-              <a:spcBef>
-                <a:spcPts val="1125"/>
-              </a:spcBef>
-              <a:buClr>
-                <a:srgbClr val="C00000"/>
-              </a:buClr>
-              <a:buSzPts val="2100"/>
-            </a:pPr>
-            <a:r>
-              <a:rPr lang="en-US" sz="3600" dirty="0">
-                <a:solidFill>
-                  <a:srgbClr val="C00000"/>
-                </a:solidFill>
-                <a:latin typeface="Pragmatica" panose="020B0403040502020204"/>
-                <a:sym typeface="Consolas"/>
-              </a:rPr>
-              <a:t>Use Record Actions to:</a:t>
             </a:r>
           </a:p>
           <a:p>
@@ -8203,8 +7847,25 @@
                 <a:latin typeface="Pragmatica" panose="020B0403040502020204"/>
                 <a:sym typeface="Consolas"/>
               </a:rPr>
-              <a:t>  Format cells D4-D8 as dates (fixing the serial numbers)</a:t>
-            </a:r>
+              <a:t>Folder: </a:t>
+            </a:r>
+            <a:r>
+              <a:rPr lang="en-US" sz="3600" dirty="0">
+                <a:solidFill>
+                  <a:srgbClr val="C00000"/>
+                </a:solidFill>
+                <a:latin typeface="Consolas" panose="020B0609020204030204" pitchFamily="49" charset="0"/>
+                <a:sym typeface="Consolas"/>
+              </a:rPr>
+              <a:t>challenge-files</a:t>
+            </a:r>
+            <a:endParaRPr lang="en-US" sz="3600" dirty="0">
+              <a:solidFill>
+                <a:srgbClr val="C00000"/>
+              </a:solidFill>
+              <a:latin typeface="Pragmatica" panose="020B0403040502020204"/>
+              <a:sym typeface="Consolas"/>
+            </a:endParaRPr>
           </a:p>
           <a:p>
             <a:pPr marL="714375" indent="-571500">
@@ -8229,7 +7890,7 @@
                 <a:latin typeface="Pragmatica" panose="020B0403040502020204"/>
                 <a:sym typeface="Consolas"/>
               </a:rPr>
-              <a:t>  Sum hours worked in cells C4-C8 and display the total in B1</a:t>
+              <a:t>Use Record Actions to Autofit and freeze panes in one of the workbooks</a:t>
             </a:r>
           </a:p>
           <a:p>
@@ -8255,7 +7916,7 @@
                 <a:latin typeface="Pragmatica" panose="020B0403040502020204"/>
                 <a:sym typeface="Consolas"/>
               </a:rPr>
-              <a:t>  Add color to header cells A3-D3</a:t>
+              <a:t>Apply this script to all workbooks in the folder</a:t>
             </a:r>
           </a:p>
           <a:p>
@@ -8273,27 +7934,6 @@
               <a:buFont typeface="Arial" panose="020B0604020202020204" pitchFamily="34" charset="0"/>
               <a:buChar char="•"/>
             </a:pPr>
-            <a:endParaRPr lang="en-US" sz="3600" dirty="0">
-              <a:solidFill>
-                <a:srgbClr val="C00000"/>
-              </a:solidFill>
-              <a:latin typeface="Pragmatica" panose="020B0403040502020204"/>
-              <a:sym typeface="Consolas"/>
-            </a:endParaRPr>
-          </a:p>
-          <a:p>
-            <a:pPr marL="142875">
-              <a:lnSpc>
-                <a:spcPct val="115000"/>
-              </a:lnSpc>
-              <a:spcBef>
-                <a:spcPts val="1125"/>
-              </a:spcBef>
-              <a:buClr>
-                <a:srgbClr val="C00000"/>
-              </a:buClr>
-              <a:buSzPts val="2100"/>
-            </a:pPr>
             <a:r>
               <a:rPr lang="en-US" sz="3600" dirty="0">
                 <a:solidFill>
@@ -8302,93 +7942,7 @@
                 <a:latin typeface="Pragmatica" panose="020B0403040502020204"/>
                 <a:sym typeface="Consolas"/>
               </a:rPr>
-              <a:t>Enhance the script by:</a:t>
-            </a:r>
-          </a:p>
-          <a:p>
-            <a:pPr marL="714375" indent="-571500">
-              <a:lnSpc>
-                <a:spcPct val="115000"/>
-              </a:lnSpc>
-              <a:spcBef>
-                <a:spcPts val="1125"/>
-              </a:spcBef>
-              <a:buClr>
-                <a:srgbClr val="C00000"/>
-              </a:buClr>
-              <a:buSzPts val="2100"/>
-              <a:buFont typeface="Arial" panose="020B0604020202020204" pitchFamily="34" charset="0"/>
-              <a:buChar char="•"/>
-            </a:pPr>
-            <a:r>
-              <a:rPr lang="en-US" sz="3600" dirty="0">
-                <a:solidFill>
-                  <a:srgbClr val="C00000"/>
-                </a:solidFill>
-                <a:latin typeface="Pragmatica" panose="020B0403040502020204"/>
-                <a:sym typeface="Consolas"/>
-              </a:rPr>
-              <a:t>Modifying it to include a user form that asks the user to select the header color</a:t>
-            </a:r>
-          </a:p>
-          <a:p>
-            <a:pPr marL="714375" indent="-571500">
-              <a:lnSpc>
-                <a:spcPct val="115000"/>
-              </a:lnSpc>
-              <a:spcBef>
-                <a:spcPts val="1125"/>
-              </a:spcBef>
-              <a:buClr>
-                <a:srgbClr val="C00000"/>
-              </a:buClr>
-              <a:buSzPts val="2100"/>
-              <a:buFont typeface="Arial" panose="020B0604020202020204" pitchFamily="34" charset="0"/>
-              <a:buChar char="•"/>
-            </a:pPr>
-            <a:r>
-              <a:rPr lang="en-US" sz="3600" dirty="0">
-                <a:solidFill>
-                  <a:srgbClr val="C00000"/>
-                </a:solidFill>
-                <a:latin typeface="Pragmatica" panose="020B0403040502020204"/>
-                <a:sym typeface="Consolas"/>
-              </a:rPr>
-              <a:t>Use a variable in the `main` function to apply the user’s chosen color to the headers</a:t>
-            </a:r>
-          </a:p>
-          <a:p>
-            <a:pPr marL="142875">
-              <a:lnSpc>
-                <a:spcPct val="115000"/>
-              </a:lnSpc>
-              <a:spcBef>
-                <a:spcPts val="1125"/>
-              </a:spcBef>
-              <a:buClr>
-                <a:srgbClr val="C00000"/>
-              </a:buClr>
-              <a:buSzPts val="2100"/>
-            </a:pPr>
-            <a:r>
-              <a:rPr lang="en-US" sz="3600" dirty="0">
-                <a:solidFill>
-                  <a:srgbClr val="C00000"/>
-                </a:solidFill>
-                <a:latin typeface="Pragmatica" panose="020B0403040502020204"/>
-                <a:sym typeface="Consolas"/>
-              </a:rPr>
-              <a:t>File: </a:t>
-            </a:r>
-            <a:r>
-              <a:rPr lang="en-US" sz="3600" dirty="0">
-                <a:solidFill>
-                  <a:srgbClr val="C00000"/>
-                </a:solidFill>
-                <a:latin typeface="Consolas" panose="020B0609020204030204" pitchFamily="49" charset="0"/>
-                <a:sym typeface="Consolas"/>
-              </a:rPr>
-              <a:t>01-challenge.xlsx</a:t>
+              <a:t>Bonus: Set a user-defined number of rows to freeze (Hint: function main())</a:t>
             </a:r>
           </a:p>
         </p:txBody>
@@ -8406,7 +7960,7 @@
 </p:sld>
 </file>
 
-<file path=ppt/slides/slide22.xml><?xml version="1.0" encoding="utf-8"?>
+<file path=ppt/slides/slide21.xml><?xml version="1.0" encoding="utf-8"?>
 <p:sld xmlns:a="http://schemas.openxmlformats.org/drawingml/2006/main" xmlns:r="http://schemas.openxmlformats.org/officeDocument/2006/relationships" xmlns:p="http://schemas.openxmlformats.org/presentationml/2006/main">
   <p:cSld>
     <p:spTree>
@@ -8588,7 +8142,7 @@
 </p:sld>
 </file>
 
-<file path=ppt/slides/slide23.xml><?xml version="1.0" encoding="utf-8"?>
+<file path=ppt/slides/slide22.xml><?xml version="1.0" encoding="utf-8"?>
 <p:sld xmlns:a="http://schemas.openxmlformats.org/drawingml/2006/main" xmlns:r="http://schemas.openxmlformats.org/officeDocument/2006/relationships" xmlns:p="http://schemas.openxmlformats.org/presentationml/2006/main">
   <p:cSld>
     <p:spTree>
